--- a/project Documentation/Second week/Week 2 review.pptx
+++ b/project Documentation/Second week/Week 2 review.pptx
@@ -7,8 +7,9 @@
   <p:sldIdLst>
     <p:sldId id="256" r:id="rId2"/>
     <p:sldId id="260" r:id="rId3"/>
-    <p:sldId id="259" r:id="rId4"/>
-    <p:sldId id="258" r:id="rId5"/>
+    <p:sldId id="262" r:id="rId4"/>
+    <p:sldId id="259" r:id="rId5"/>
+    <p:sldId id="258" r:id="rId6"/>
   </p:sldIdLst>
   <p:sldSz cx="9144000" cy="6858000" type="screen4x3"/>
   <p:notesSz cx="6858000" cy="9144000"/>
@@ -3599,6 +3600,761 @@
 </file>
 
 <file path=ppt/slides/slide3.xml><?xml version="1.0" encoding="utf-8"?>
+<p:sld xmlns:a="http://schemas.openxmlformats.org/drawingml/2006/main" xmlns:r="http://schemas.openxmlformats.org/officeDocument/2006/relationships" xmlns:p="http://schemas.openxmlformats.org/presentationml/2006/main">
+  <p:cSld>
+    <p:bg>
+      <p:bgPr>
+        <a:blipFill dpi="0" rotWithShape="1">
+          <a:blip r:embed="rId2">
+            <a:lum/>
+          </a:blip>
+          <a:srcRect/>
+          <a:stretch>
+            <a:fillRect/>
+          </a:stretch>
+        </a:blipFill>
+        <a:effectLst/>
+      </p:bgPr>
+    </p:bg>
+    <p:spTree>
+      <p:nvGrpSpPr>
+        <p:cNvPr id="1" name=""/>
+        <p:cNvGrpSpPr/>
+        <p:nvPr/>
+      </p:nvGrpSpPr>
+      <p:grpSpPr>
+        <a:xfrm>
+          <a:off x="0" y="0"/>
+          <a:ext cx="0" cy="0"/>
+          <a:chOff x="0" y="0"/>
+          <a:chExt cx="0" cy="0"/>
+        </a:xfrm>
+      </p:grpSpPr>
+      <p:sp>
+        <p:nvSpPr>
+          <p:cNvPr id="13" name="Title 1"/>
+          <p:cNvSpPr txBox="1">
+            <a:spLocks/>
+          </p:cNvSpPr>
+          <p:nvPr/>
+        </p:nvSpPr>
+        <p:spPr>
+          <a:xfrm>
+            <a:off x="1475656" y="1124744"/>
+            <a:ext cx="8229600" cy="1143000"/>
+          </a:xfrm>
+          <a:prstGeom prst="rect">
+            <a:avLst/>
+          </a:prstGeom>
+        </p:spPr>
+        <p:txBody>
+          <a:bodyPr/>
+          <a:lstStyle>
+            <a:lvl1pPr algn="ctr" defTabSz="914400" rtl="0" eaLnBrk="1" latinLnBrk="0" hangingPunct="1">
+              <a:spcBef>
+                <a:spcPct val="0"/>
+              </a:spcBef>
+              <a:buNone/>
+              <a:defRPr sz="4400" kern="1200">
+                <a:solidFill>
+                  <a:schemeClr val="tx1"/>
+                </a:solidFill>
+                <a:latin typeface="+mj-lt"/>
+                <a:ea typeface="+mj-ea"/>
+                <a:cs typeface="+mj-cs"/>
+              </a:defRPr>
+            </a:lvl1pPr>
+          </a:lstStyle>
+          <a:p>
+            <a:pPr algn="l"/>
+            <a:r>
+              <a:rPr lang="en-US" dirty="0" smtClean="0">
+                <a:solidFill>
+                  <a:schemeClr val="bg1"/>
+                </a:solidFill>
+              </a:rPr>
+              <a:t>Agenda</a:t>
+            </a:r>
+            <a:endParaRPr lang="en-US" dirty="0"/>
+          </a:p>
+        </p:txBody>
+      </p:sp>
+      <p:sp>
+        <p:nvSpPr>
+          <p:cNvPr id="14" name="Content Placeholder 2"/>
+          <p:cNvSpPr txBox="1">
+            <a:spLocks/>
+          </p:cNvSpPr>
+          <p:nvPr/>
+        </p:nvSpPr>
+        <p:spPr>
+          <a:xfrm>
+            <a:off x="1537320" y="2234282"/>
+            <a:ext cx="8435280" cy="4525963"/>
+          </a:xfrm>
+          <a:prstGeom prst="rect">
+            <a:avLst/>
+          </a:prstGeom>
+        </p:spPr>
+        <p:txBody>
+          <a:bodyPr>
+            <a:normAutofit/>
+          </a:bodyPr>
+          <a:lstStyle>
+            <a:lvl1pPr marL="342900" indent="-342900" algn="l" defTabSz="914400" rtl="0" eaLnBrk="1" latinLnBrk="0" hangingPunct="1">
+              <a:spcBef>
+                <a:spcPct val="20000"/>
+              </a:spcBef>
+              <a:buFont typeface="Arial" pitchFamily="34" charset="0"/>
+              <a:buChar char="•"/>
+              <a:defRPr sz="3200" kern="1200">
+                <a:solidFill>
+                  <a:schemeClr val="tx1"/>
+                </a:solidFill>
+                <a:latin typeface="+mn-lt"/>
+                <a:ea typeface="+mn-ea"/>
+                <a:cs typeface="+mn-cs"/>
+              </a:defRPr>
+            </a:lvl1pPr>
+            <a:lvl2pPr marL="742950" indent="-285750" algn="l" defTabSz="914400" rtl="0" eaLnBrk="1" latinLnBrk="0" hangingPunct="1">
+              <a:spcBef>
+                <a:spcPct val="20000"/>
+              </a:spcBef>
+              <a:buFont typeface="Arial" pitchFamily="34" charset="0"/>
+              <a:buChar char="–"/>
+              <a:defRPr sz="2800" kern="1200">
+                <a:solidFill>
+                  <a:schemeClr val="tx1"/>
+                </a:solidFill>
+                <a:latin typeface="+mn-lt"/>
+                <a:ea typeface="+mn-ea"/>
+                <a:cs typeface="+mn-cs"/>
+              </a:defRPr>
+            </a:lvl2pPr>
+            <a:lvl3pPr marL="1143000" indent="-228600" algn="l" defTabSz="914400" rtl="0" eaLnBrk="1" latinLnBrk="0" hangingPunct="1">
+              <a:spcBef>
+                <a:spcPct val="20000"/>
+              </a:spcBef>
+              <a:buFont typeface="Arial" pitchFamily="34" charset="0"/>
+              <a:buChar char="•"/>
+              <a:defRPr sz="2400" kern="1200">
+                <a:solidFill>
+                  <a:schemeClr val="tx1"/>
+                </a:solidFill>
+                <a:latin typeface="+mn-lt"/>
+                <a:ea typeface="+mn-ea"/>
+                <a:cs typeface="+mn-cs"/>
+              </a:defRPr>
+            </a:lvl3pPr>
+            <a:lvl4pPr marL="1600200" indent="-228600" algn="l" defTabSz="914400" rtl="0" eaLnBrk="1" latinLnBrk="0" hangingPunct="1">
+              <a:spcBef>
+                <a:spcPct val="20000"/>
+              </a:spcBef>
+              <a:buFont typeface="Arial" pitchFamily="34" charset="0"/>
+              <a:buChar char="–"/>
+              <a:defRPr sz="2000" kern="1200">
+                <a:solidFill>
+                  <a:schemeClr val="tx1"/>
+                </a:solidFill>
+                <a:latin typeface="+mn-lt"/>
+                <a:ea typeface="+mn-ea"/>
+                <a:cs typeface="+mn-cs"/>
+              </a:defRPr>
+            </a:lvl4pPr>
+            <a:lvl5pPr marL="2057400" indent="-228600" algn="l" defTabSz="914400" rtl="0" eaLnBrk="1" latinLnBrk="0" hangingPunct="1">
+              <a:spcBef>
+                <a:spcPct val="20000"/>
+              </a:spcBef>
+              <a:buFont typeface="Arial" pitchFamily="34" charset="0"/>
+              <a:buChar char="»"/>
+              <a:defRPr sz="2000" kern="1200">
+                <a:solidFill>
+                  <a:schemeClr val="tx1"/>
+                </a:solidFill>
+                <a:latin typeface="+mn-lt"/>
+                <a:ea typeface="+mn-ea"/>
+                <a:cs typeface="+mn-cs"/>
+              </a:defRPr>
+            </a:lvl5pPr>
+            <a:lvl6pPr marL="2514600" indent="-228600" algn="l" defTabSz="914400" rtl="0" eaLnBrk="1" latinLnBrk="0" hangingPunct="1">
+              <a:spcBef>
+                <a:spcPct val="20000"/>
+              </a:spcBef>
+              <a:buFont typeface="Arial" pitchFamily="34" charset="0"/>
+              <a:buChar char="•"/>
+              <a:defRPr sz="2000" kern="1200">
+                <a:solidFill>
+                  <a:schemeClr val="tx1"/>
+                </a:solidFill>
+                <a:latin typeface="+mn-lt"/>
+                <a:ea typeface="+mn-ea"/>
+                <a:cs typeface="+mn-cs"/>
+              </a:defRPr>
+            </a:lvl6pPr>
+            <a:lvl7pPr marL="2971800" indent="-228600" algn="l" defTabSz="914400" rtl="0" eaLnBrk="1" latinLnBrk="0" hangingPunct="1">
+              <a:spcBef>
+                <a:spcPct val="20000"/>
+              </a:spcBef>
+              <a:buFont typeface="Arial" pitchFamily="34" charset="0"/>
+              <a:buChar char="•"/>
+              <a:defRPr sz="2000" kern="1200">
+                <a:solidFill>
+                  <a:schemeClr val="tx1"/>
+                </a:solidFill>
+                <a:latin typeface="+mn-lt"/>
+                <a:ea typeface="+mn-ea"/>
+                <a:cs typeface="+mn-cs"/>
+              </a:defRPr>
+            </a:lvl7pPr>
+            <a:lvl8pPr marL="3429000" indent="-228600" algn="l" defTabSz="914400" rtl="0" eaLnBrk="1" latinLnBrk="0" hangingPunct="1">
+              <a:spcBef>
+                <a:spcPct val="20000"/>
+              </a:spcBef>
+              <a:buFont typeface="Arial" pitchFamily="34" charset="0"/>
+              <a:buChar char="•"/>
+              <a:defRPr sz="2000" kern="1200">
+                <a:solidFill>
+                  <a:schemeClr val="tx1"/>
+                </a:solidFill>
+                <a:latin typeface="+mn-lt"/>
+                <a:ea typeface="+mn-ea"/>
+                <a:cs typeface="+mn-cs"/>
+              </a:defRPr>
+            </a:lvl8pPr>
+            <a:lvl9pPr marL="3886200" indent="-228600" algn="l" defTabSz="914400" rtl="0" eaLnBrk="1" latinLnBrk="0" hangingPunct="1">
+              <a:spcBef>
+                <a:spcPct val="20000"/>
+              </a:spcBef>
+              <a:buFont typeface="Arial" pitchFamily="34" charset="0"/>
+              <a:buChar char="•"/>
+              <a:defRPr sz="2000" kern="1200">
+                <a:solidFill>
+                  <a:schemeClr val="tx1"/>
+                </a:solidFill>
+                <a:latin typeface="+mn-lt"/>
+                <a:ea typeface="+mn-ea"/>
+                <a:cs typeface="+mn-cs"/>
+              </a:defRPr>
+            </a:lvl9pPr>
+          </a:lstStyle>
+          <a:p>
+            <a:pPr algn="justLow"/>
+            <a:r>
+              <a:rPr lang="en-US" dirty="0" smtClean="0">
+                <a:solidFill>
+                  <a:schemeClr val="bg1"/>
+                </a:solidFill>
+              </a:rPr>
+              <a:t>Week 2 Review.</a:t>
+            </a:r>
+          </a:p>
+          <a:p>
+            <a:pPr algn="justLow"/>
+            <a:r>
+              <a:rPr lang="en-US" dirty="0" smtClean="0">
+                <a:solidFill>
+                  <a:schemeClr val="bg1"/>
+                </a:solidFill>
+              </a:rPr>
+              <a:t>Week2 Demo.</a:t>
+            </a:r>
+          </a:p>
+          <a:p>
+            <a:pPr algn="justLow"/>
+            <a:r>
+              <a:rPr lang="en-US" dirty="0" smtClean="0">
+                <a:solidFill>
+                  <a:schemeClr val="bg1"/>
+                </a:solidFill>
+              </a:rPr>
+              <a:t>Test system.</a:t>
+            </a:r>
+          </a:p>
+          <a:p>
+            <a:pPr algn="justLow"/>
+            <a:r>
+              <a:rPr lang="en-US" dirty="0" smtClean="0">
+                <a:solidFill>
+                  <a:schemeClr val="bg1"/>
+                </a:solidFill>
+              </a:rPr>
+              <a:t>Next Week: UDS search + next week plan.</a:t>
+            </a:r>
+            <a:endParaRPr lang="en-US" dirty="0" smtClean="0">
+              <a:solidFill>
+                <a:schemeClr val="bg1"/>
+              </a:solidFill>
+            </a:endParaRPr>
+          </a:p>
+          <a:p>
+            <a:pPr algn="justLow"/>
+            <a:endParaRPr lang="en-US" dirty="0">
+              <a:solidFill>
+                <a:schemeClr val="bg1"/>
+              </a:solidFill>
+            </a:endParaRPr>
+          </a:p>
+        </p:txBody>
+      </p:sp>
+    </p:spTree>
+    <p:extLst>
+      <p:ext uri="{BB962C8B-B14F-4D97-AF65-F5344CB8AC3E}">
+        <p14:creationId xmlns:p14="http://schemas.microsoft.com/office/powerpoint/2010/main" val="2887467757"/>
+      </p:ext>
+    </p:extLst>
+  </p:cSld>
+  <p:clrMapOvr>
+    <a:masterClrMapping/>
+  </p:clrMapOvr>
+  <p:timing>
+    <p:tnLst>
+      <p:par>
+        <p:cTn id="1" dur="indefinite" restart="never" nodeType="tmRoot">
+          <p:childTnLst>
+            <p:seq concurrent="1" nextAc="seek">
+              <p:cTn id="2" dur="indefinite" nodeType="mainSeq">
+                <p:childTnLst>
+                  <p:par>
+                    <p:cTn id="3" fill="hold">
+                      <p:stCondLst>
+                        <p:cond delay="indefinite"/>
+                      </p:stCondLst>
+                      <p:childTnLst>
+                        <p:par>
+                          <p:cTn id="4" fill="hold">
+                            <p:stCondLst>
+                              <p:cond delay="0"/>
+                            </p:stCondLst>
+                            <p:childTnLst>
+                              <p:par>
+                                <p:cTn id="5" presetID="2" presetClass="entr" presetSubtype="4" fill="hold" grpId="0" nodeType="clickEffect">
+                                  <p:stCondLst>
+                                    <p:cond delay="0"/>
+                                  </p:stCondLst>
+                                  <p:childTnLst>
+                                    <p:set>
+                                      <p:cBhvr>
+                                        <p:cTn id="6" dur="1" fill="hold">
+                                          <p:stCondLst>
+                                            <p:cond delay="0"/>
+                                          </p:stCondLst>
+                                        </p:cTn>
+                                        <p:tgtEl>
+                                          <p:spTgt spid="14">
+                                            <p:txEl>
+                                              <p:pRg st="0" end="0"/>
+                                            </p:txEl>
+                                          </p:spTgt>
+                                        </p:tgtEl>
+                                        <p:attrNameLst>
+                                          <p:attrName>style.visibility</p:attrName>
+                                        </p:attrNameLst>
+                                      </p:cBhvr>
+                                      <p:to>
+                                        <p:strVal val="visible"/>
+                                      </p:to>
+                                    </p:set>
+                                    <p:anim calcmode="lin" valueType="num">
+                                      <p:cBhvr additive="base">
+                                        <p:cTn id="7" dur="500" fill="hold"/>
+                                        <p:tgtEl>
+                                          <p:spTgt spid="14">
+                                            <p:txEl>
+                                              <p:pRg st="0" end="0"/>
+                                            </p:txEl>
+                                          </p:spTgt>
+                                        </p:tgtEl>
+                                        <p:attrNameLst>
+                                          <p:attrName>ppt_x</p:attrName>
+                                        </p:attrNameLst>
+                                      </p:cBhvr>
+                                      <p:tavLst>
+                                        <p:tav tm="0">
+                                          <p:val>
+                                            <p:strVal val="#ppt_x"/>
+                                          </p:val>
+                                        </p:tav>
+                                        <p:tav tm="100000">
+                                          <p:val>
+                                            <p:strVal val="#ppt_x"/>
+                                          </p:val>
+                                        </p:tav>
+                                      </p:tavLst>
+                                    </p:anim>
+                                    <p:anim calcmode="lin" valueType="num">
+                                      <p:cBhvr additive="base">
+                                        <p:cTn id="8" dur="500" fill="hold"/>
+                                        <p:tgtEl>
+                                          <p:spTgt spid="14">
+                                            <p:txEl>
+                                              <p:pRg st="0" end="0"/>
+                                            </p:txEl>
+                                          </p:spTgt>
+                                        </p:tgtEl>
+                                        <p:attrNameLst>
+                                          <p:attrName>ppt_y</p:attrName>
+                                        </p:attrNameLst>
+                                      </p:cBhvr>
+                                      <p:tavLst>
+                                        <p:tav tm="0">
+                                          <p:val>
+                                            <p:strVal val="1+#ppt_h/2"/>
+                                          </p:val>
+                                        </p:tav>
+                                        <p:tav tm="100000">
+                                          <p:val>
+                                            <p:strVal val="#ppt_y"/>
+                                          </p:val>
+                                        </p:tav>
+                                      </p:tavLst>
+                                    </p:anim>
+                                  </p:childTnLst>
+                                </p:cTn>
+                              </p:par>
+                            </p:childTnLst>
+                          </p:cTn>
+                        </p:par>
+                      </p:childTnLst>
+                    </p:cTn>
+                  </p:par>
+                  <p:par>
+                    <p:cTn id="9" fill="hold">
+                      <p:stCondLst>
+                        <p:cond delay="indefinite"/>
+                      </p:stCondLst>
+                      <p:childTnLst>
+                        <p:par>
+                          <p:cTn id="10" fill="hold">
+                            <p:stCondLst>
+                              <p:cond delay="0"/>
+                            </p:stCondLst>
+                            <p:childTnLst>
+                              <p:par>
+                                <p:cTn id="11" presetID="2" presetClass="entr" presetSubtype="4" fill="hold" grpId="0" nodeType="clickEffect">
+                                  <p:stCondLst>
+                                    <p:cond delay="0"/>
+                                  </p:stCondLst>
+                                  <p:childTnLst>
+                                    <p:set>
+                                      <p:cBhvr>
+                                        <p:cTn id="12" dur="1" fill="hold">
+                                          <p:stCondLst>
+                                            <p:cond delay="0"/>
+                                          </p:stCondLst>
+                                        </p:cTn>
+                                        <p:tgtEl>
+                                          <p:spTgt spid="14">
+                                            <p:txEl>
+                                              <p:pRg st="1" end="1"/>
+                                            </p:txEl>
+                                          </p:spTgt>
+                                        </p:tgtEl>
+                                        <p:attrNameLst>
+                                          <p:attrName>style.visibility</p:attrName>
+                                        </p:attrNameLst>
+                                      </p:cBhvr>
+                                      <p:to>
+                                        <p:strVal val="visible"/>
+                                      </p:to>
+                                    </p:set>
+                                    <p:anim calcmode="lin" valueType="num">
+                                      <p:cBhvr additive="base">
+                                        <p:cTn id="13" dur="500" fill="hold"/>
+                                        <p:tgtEl>
+                                          <p:spTgt spid="14">
+                                            <p:txEl>
+                                              <p:pRg st="1" end="1"/>
+                                            </p:txEl>
+                                          </p:spTgt>
+                                        </p:tgtEl>
+                                        <p:attrNameLst>
+                                          <p:attrName>ppt_x</p:attrName>
+                                        </p:attrNameLst>
+                                      </p:cBhvr>
+                                      <p:tavLst>
+                                        <p:tav tm="0">
+                                          <p:val>
+                                            <p:strVal val="#ppt_x"/>
+                                          </p:val>
+                                        </p:tav>
+                                        <p:tav tm="100000">
+                                          <p:val>
+                                            <p:strVal val="#ppt_x"/>
+                                          </p:val>
+                                        </p:tav>
+                                      </p:tavLst>
+                                    </p:anim>
+                                    <p:anim calcmode="lin" valueType="num">
+                                      <p:cBhvr additive="base">
+                                        <p:cTn id="14" dur="500" fill="hold"/>
+                                        <p:tgtEl>
+                                          <p:spTgt spid="14">
+                                            <p:txEl>
+                                              <p:pRg st="1" end="1"/>
+                                            </p:txEl>
+                                          </p:spTgt>
+                                        </p:tgtEl>
+                                        <p:attrNameLst>
+                                          <p:attrName>ppt_y</p:attrName>
+                                        </p:attrNameLst>
+                                      </p:cBhvr>
+                                      <p:tavLst>
+                                        <p:tav tm="0">
+                                          <p:val>
+                                            <p:strVal val="1+#ppt_h/2"/>
+                                          </p:val>
+                                        </p:tav>
+                                        <p:tav tm="100000">
+                                          <p:val>
+                                            <p:strVal val="#ppt_y"/>
+                                          </p:val>
+                                        </p:tav>
+                                      </p:tavLst>
+                                    </p:anim>
+                                  </p:childTnLst>
+                                </p:cTn>
+                              </p:par>
+                            </p:childTnLst>
+                          </p:cTn>
+                        </p:par>
+                      </p:childTnLst>
+                    </p:cTn>
+                  </p:par>
+                  <p:par>
+                    <p:cTn id="15" fill="hold">
+                      <p:stCondLst>
+                        <p:cond delay="indefinite"/>
+                      </p:stCondLst>
+                      <p:childTnLst>
+                        <p:par>
+                          <p:cTn id="16" fill="hold">
+                            <p:stCondLst>
+                              <p:cond delay="0"/>
+                            </p:stCondLst>
+                            <p:childTnLst>
+                              <p:par>
+                                <p:cTn id="17" presetID="2" presetClass="entr" presetSubtype="4" fill="hold" grpId="0" nodeType="clickEffect">
+                                  <p:stCondLst>
+                                    <p:cond delay="0"/>
+                                  </p:stCondLst>
+                                  <p:childTnLst>
+                                    <p:set>
+                                      <p:cBhvr>
+                                        <p:cTn id="18" dur="1" fill="hold">
+                                          <p:stCondLst>
+                                            <p:cond delay="0"/>
+                                          </p:stCondLst>
+                                        </p:cTn>
+                                        <p:tgtEl>
+                                          <p:spTgt spid="14">
+                                            <p:txEl>
+                                              <p:pRg st="2" end="2"/>
+                                            </p:txEl>
+                                          </p:spTgt>
+                                        </p:tgtEl>
+                                        <p:attrNameLst>
+                                          <p:attrName>style.visibility</p:attrName>
+                                        </p:attrNameLst>
+                                      </p:cBhvr>
+                                      <p:to>
+                                        <p:strVal val="visible"/>
+                                      </p:to>
+                                    </p:set>
+                                    <p:anim calcmode="lin" valueType="num">
+                                      <p:cBhvr additive="base">
+                                        <p:cTn id="19" dur="500" fill="hold"/>
+                                        <p:tgtEl>
+                                          <p:spTgt spid="14">
+                                            <p:txEl>
+                                              <p:pRg st="2" end="2"/>
+                                            </p:txEl>
+                                          </p:spTgt>
+                                        </p:tgtEl>
+                                        <p:attrNameLst>
+                                          <p:attrName>ppt_x</p:attrName>
+                                        </p:attrNameLst>
+                                      </p:cBhvr>
+                                      <p:tavLst>
+                                        <p:tav tm="0">
+                                          <p:val>
+                                            <p:strVal val="#ppt_x"/>
+                                          </p:val>
+                                        </p:tav>
+                                        <p:tav tm="100000">
+                                          <p:val>
+                                            <p:strVal val="#ppt_x"/>
+                                          </p:val>
+                                        </p:tav>
+                                      </p:tavLst>
+                                    </p:anim>
+                                    <p:anim calcmode="lin" valueType="num">
+                                      <p:cBhvr additive="base">
+                                        <p:cTn id="20" dur="500" fill="hold"/>
+                                        <p:tgtEl>
+                                          <p:spTgt spid="14">
+                                            <p:txEl>
+                                              <p:pRg st="2" end="2"/>
+                                            </p:txEl>
+                                          </p:spTgt>
+                                        </p:tgtEl>
+                                        <p:attrNameLst>
+                                          <p:attrName>ppt_y</p:attrName>
+                                        </p:attrNameLst>
+                                      </p:cBhvr>
+                                      <p:tavLst>
+                                        <p:tav tm="0">
+                                          <p:val>
+                                            <p:strVal val="1+#ppt_h/2"/>
+                                          </p:val>
+                                        </p:tav>
+                                        <p:tav tm="100000">
+                                          <p:val>
+                                            <p:strVal val="#ppt_y"/>
+                                          </p:val>
+                                        </p:tav>
+                                      </p:tavLst>
+                                    </p:anim>
+                                  </p:childTnLst>
+                                </p:cTn>
+                              </p:par>
+                            </p:childTnLst>
+                          </p:cTn>
+                        </p:par>
+                      </p:childTnLst>
+                    </p:cTn>
+                  </p:par>
+                  <p:par>
+                    <p:cTn id="21" fill="hold">
+                      <p:stCondLst>
+                        <p:cond delay="indefinite"/>
+                      </p:stCondLst>
+                      <p:childTnLst>
+                        <p:par>
+                          <p:cTn id="22" fill="hold">
+                            <p:stCondLst>
+                              <p:cond delay="0"/>
+                            </p:stCondLst>
+                            <p:childTnLst>
+                              <p:par>
+                                <p:cTn id="23" presetID="2" presetClass="entr" presetSubtype="4" fill="hold" grpId="0" nodeType="clickEffect">
+                                  <p:stCondLst>
+                                    <p:cond delay="0"/>
+                                  </p:stCondLst>
+                                  <p:childTnLst>
+                                    <p:set>
+                                      <p:cBhvr>
+                                        <p:cTn id="24" dur="1" fill="hold">
+                                          <p:stCondLst>
+                                            <p:cond delay="0"/>
+                                          </p:stCondLst>
+                                        </p:cTn>
+                                        <p:tgtEl>
+                                          <p:spTgt spid="14">
+                                            <p:txEl>
+                                              <p:pRg st="3" end="3"/>
+                                            </p:txEl>
+                                          </p:spTgt>
+                                        </p:tgtEl>
+                                        <p:attrNameLst>
+                                          <p:attrName>style.visibility</p:attrName>
+                                        </p:attrNameLst>
+                                      </p:cBhvr>
+                                      <p:to>
+                                        <p:strVal val="visible"/>
+                                      </p:to>
+                                    </p:set>
+                                    <p:anim calcmode="lin" valueType="num">
+                                      <p:cBhvr additive="base">
+                                        <p:cTn id="25" dur="500" fill="hold"/>
+                                        <p:tgtEl>
+                                          <p:spTgt spid="14">
+                                            <p:txEl>
+                                              <p:pRg st="3" end="3"/>
+                                            </p:txEl>
+                                          </p:spTgt>
+                                        </p:tgtEl>
+                                        <p:attrNameLst>
+                                          <p:attrName>ppt_x</p:attrName>
+                                        </p:attrNameLst>
+                                      </p:cBhvr>
+                                      <p:tavLst>
+                                        <p:tav tm="0">
+                                          <p:val>
+                                            <p:strVal val="#ppt_x"/>
+                                          </p:val>
+                                        </p:tav>
+                                        <p:tav tm="100000">
+                                          <p:val>
+                                            <p:strVal val="#ppt_x"/>
+                                          </p:val>
+                                        </p:tav>
+                                      </p:tavLst>
+                                    </p:anim>
+                                    <p:anim calcmode="lin" valueType="num">
+                                      <p:cBhvr additive="base">
+                                        <p:cTn id="26" dur="500" fill="hold"/>
+                                        <p:tgtEl>
+                                          <p:spTgt spid="14">
+                                            <p:txEl>
+                                              <p:pRg st="3" end="3"/>
+                                            </p:txEl>
+                                          </p:spTgt>
+                                        </p:tgtEl>
+                                        <p:attrNameLst>
+                                          <p:attrName>ppt_y</p:attrName>
+                                        </p:attrNameLst>
+                                      </p:cBhvr>
+                                      <p:tavLst>
+                                        <p:tav tm="0">
+                                          <p:val>
+                                            <p:strVal val="1+#ppt_h/2"/>
+                                          </p:val>
+                                        </p:tav>
+                                        <p:tav tm="100000">
+                                          <p:val>
+                                            <p:strVal val="#ppt_y"/>
+                                          </p:val>
+                                        </p:tav>
+                                      </p:tavLst>
+                                    </p:anim>
+                                  </p:childTnLst>
+                                </p:cTn>
+                              </p:par>
+                            </p:childTnLst>
+                          </p:cTn>
+                        </p:par>
+                      </p:childTnLst>
+                    </p:cTn>
+                  </p:par>
+                </p:childTnLst>
+              </p:cTn>
+              <p:prevCondLst>
+                <p:cond evt="onPrev" delay="0">
+                  <p:tgtEl>
+                    <p:sldTgt/>
+                  </p:tgtEl>
+                </p:cond>
+              </p:prevCondLst>
+              <p:nextCondLst>
+                <p:cond evt="onNext" delay="0">
+                  <p:tgtEl>
+                    <p:sldTgt/>
+                  </p:tgtEl>
+                </p:cond>
+              </p:nextCondLst>
+            </p:seq>
+          </p:childTnLst>
+        </p:cTn>
+      </p:par>
+    </p:tnLst>
+    <p:bldLst>
+      <p:bldP spid="14" grpId="0" uiExpand="1" build="allAtOnce"/>
+    </p:bldLst>
+  </p:timing>
+</p:sld>
+</file>
+
+<file path=ppt/slides/slide4.xml><?xml version="1.0" encoding="utf-8"?>
 <p:sld xmlns:a="http://schemas.openxmlformats.org/drawingml/2006/main" xmlns:r="http://schemas.openxmlformats.org/officeDocument/2006/relationships" xmlns:p="http://schemas.openxmlformats.org/presentationml/2006/main">
   <p:cSld>
     <p:spTree>
@@ -4556,7 +5312,7 @@
 </p:sld>
 </file>
 
-<file path=ppt/slides/slide4.xml><?xml version="1.0" encoding="utf-8"?>
+<file path=ppt/slides/slide5.xml><?xml version="1.0" encoding="utf-8"?>
 <p:sld xmlns:a="http://schemas.openxmlformats.org/drawingml/2006/main" xmlns:r="http://schemas.openxmlformats.org/officeDocument/2006/relationships" xmlns:p="http://schemas.openxmlformats.org/presentationml/2006/main">
   <p:cSld>
     <p:bg>
